--- a/docs/images/cmmc-active-directory-architecture-diagram.pptx
+++ b/docs/images/cmmc-active-directory-architecture-diagram.pptx
@@ -7356,7 +7356,7 @@
           </p:blipFill>
           <p:spPr bwMode="auto">
             <a:xfrm>
-              <a:off x="1462826" y="1871304"/>
+              <a:off x="1473572" y="1871304"/>
               <a:ext cx="274637" cy="274638"/>
             </a:xfrm>
             <a:prstGeom prst="rect">
@@ -8055,7 +8055,7 @@
         </p:blipFill>
         <p:spPr bwMode="auto">
           <a:xfrm>
-            <a:off x="5015910" y="5844405"/>
+            <a:off x="5478817" y="5844405"/>
             <a:ext cx="762000" cy="762000"/>
           </a:xfrm>
           <a:prstGeom prst="rect">
@@ -8102,7 +8102,7 @@
         </p:nvSpPr>
         <p:spPr bwMode="auto">
           <a:xfrm>
-            <a:off x="4267200" y="6615230"/>
+            <a:off x="4701824" y="6615230"/>
             <a:ext cx="2292350" cy="276999"/>
           </a:xfrm>
           <a:prstGeom prst="rect">
@@ -8417,7 +8417,7 @@
         </p:blipFill>
         <p:spPr bwMode="auto">
           <a:xfrm>
-            <a:off x="7094627" y="5841698"/>
+            <a:off x="7601906" y="5841698"/>
             <a:ext cx="762000" cy="762000"/>
           </a:xfrm>
           <a:prstGeom prst="rect">
@@ -8464,7 +8464,7 @@
         </p:nvSpPr>
         <p:spPr bwMode="auto">
           <a:xfrm>
-            <a:off x="6260513" y="6603698"/>
+            <a:off x="6775450" y="6603698"/>
             <a:ext cx="2292350" cy="276999"/>
           </a:xfrm>
           <a:prstGeom prst="rect">
@@ -8606,232 +8606,6 @@
               </a:rPr>
               <a:t>AWS Secrets Manager</a:t>
             </a:r>
-          </a:p>
-        </p:txBody>
-      </p:sp>
-      <p:pic>
-        <p:nvPicPr>
-          <p:cNvPr id="97" name="Graphic 17">
-            <a:extLst>
-              <a:ext uri="{FF2B5EF4-FFF2-40B4-BE49-F238E27FC236}">
-                <a16:creationId xmlns:a16="http://schemas.microsoft.com/office/drawing/2014/main" id="{3FF20AA6-9A10-984F-AA79-A935675F35C9}"/>
-              </a:ext>
-            </a:extLst>
-          </p:cNvPr>
-          <p:cNvPicPr>
-            <a:picLocks noChangeAspect="1" noChangeArrowheads="1"/>
-          </p:cNvPicPr>
-          <p:nvPr/>
-        </p:nvPicPr>
-        <p:blipFill>
-          <a:blip r:embed="rId37" cstate="print">
-            <a:extLst>
-              <a:ext uri="{28A0092B-C50C-407E-A947-70E740481C1C}">
-                <a14:useLocalDpi xmlns:a14="http://schemas.microsoft.com/office/drawing/2010/main" val="0"/>
-              </a:ext>
-            </a:extLst>
-          </a:blip>
-          <a:srcRect/>
-          <a:stretch>
-            <a:fillRect/>
-          </a:stretch>
-        </p:blipFill>
-        <p:spPr bwMode="auto">
-          <a:xfrm>
-            <a:off x="8893175" y="3657600"/>
-            <a:ext cx="762000" cy="762000"/>
-          </a:xfrm>
-          <a:prstGeom prst="rect">
-            <a:avLst/>
-          </a:prstGeom>
-          <a:noFill/>
-          <a:ln>
-            <a:noFill/>
-          </a:ln>
-          <a:extLst>
-            <a:ext uri="{909E8E84-426E-40DD-AFC4-6F175D3DCCD1}">
-              <a14:hiddenFill xmlns:a14="http://schemas.microsoft.com/office/drawing/2010/main">
-                <a:solidFill>
-                  <a:srgbClr val="FFFFFF"/>
-                </a:solidFill>
-              </a14:hiddenFill>
-            </a:ext>
-            <a:ext uri="{91240B29-F687-4F45-9708-019B960494DF}">
-              <a14:hiddenLine xmlns:a14="http://schemas.microsoft.com/office/drawing/2010/main" w="9525">
-                <a:solidFill>
-                  <a:srgbClr val="000000"/>
-                </a:solidFill>
-                <a:miter lim="800000"/>
-                <a:headEnd/>
-                <a:tailEnd/>
-              </a14:hiddenLine>
-            </a:ext>
-          </a:extLst>
-        </p:spPr>
-      </p:pic>
-      <p:sp>
-        <p:nvSpPr>
-          <p:cNvPr id="98" name="TextBox 9">
-            <a:extLst>
-              <a:ext uri="{FF2B5EF4-FFF2-40B4-BE49-F238E27FC236}">
-                <a16:creationId xmlns:a16="http://schemas.microsoft.com/office/drawing/2014/main" id="{54937F77-8D73-EB4A-9132-1EC17FC4BB27}"/>
-              </a:ext>
-            </a:extLst>
-          </p:cNvPr>
-          <p:cNvSpPr txBox="1">
-            <a:spLocks noChangeArrowheads="1"/>
-          </p:cNvSpPr>
-          <p:nvPr/>
-        </p:nvSpPr>
-        <p:spPr bwMode="auto">
-          <a:xfrm>
-            <a:off x="8153401" y="4421188"/>
-            <a:ext cx="2243137" cy="276999"/>
-          </a:xfrm>
-          <a:prstGeom prst="rect">
-            <a:avLst/>
-          </a:prstGeom>
-          <a:noFill/>
-          <a:ln>
-            <a:noFill/>
-          </a:ln>
-          <a:extLst>
-            <a:ext uri="{909E8E84-426E-40DD-AFC4-6F175D3DCCD1}">
-              <a14:hiddenFill xmlns:a14="http://schemas.microsoft.com/office/drawing/2010/main">
-                <a:solidFill>
-                  <a:srgbClr val="FFFFFF"/>
-                </a:solidFill>
-              </a14:hiddenFill>
-            </a:ext>
-            <a:ext uri="{91240B29-F687-4F45-9708-019B960494DF}">
-              <a14:hiddenLine xmlns:a14="http://schemas.microsoft.com/office/drawing/2010/main" w="9525">
-                <a:solidFill>
-                  <a:srgbClr val="000000"/>
-                </a:solidFill>
-                <a:miter lim="800000"/>
-                <a:headEnd/>
-                <a:tailEnd/>
-              </a14:hiddenLine>
-            </a:ext>
-          </a:extLst>
-        </p:spPr>
-        <p:txBody>
-          <a:bodyPr>
-            <a:spAutoFit/>
-          </a:bodyPr>
-          <a:lstStyle>
-            <a:lvl1pPr>
-              <a:defRPr>
-                <a:solidFill>
-                  <a:schemeClr val="tx1"/>
-                </a:solidFill>
-                <a:latin typeface="Calibri" panose="020F0502020204030204" pitchFamily="34" charset="0"/>
-              </a:defRPr>
-            </a:lvl1pPr>
-            <a:lvl2pPr marL="742950" indent="-285750">
-              <a:defRPr>
-                <a:solidFill>
-                  <a:schemeClr val="tx1"/>
-                </a:solidFill>
-                <a:latin typeface="Calibri" panose="020F0502020204030204" pitchFamily="34" charset="0"/>
-              </a:defRPr>
-            </a:lvl2pPr>
-            <a:lvl3pPr marL="1143000" indent="-228600">
-              <a:defRPr>
-                <a:solidFill>
-                  <a:schemeClr val="tx1"/>
-                </a:solidFill>
-                <a:latin typeface="Calibri" panose="020F0502020204030204" pitchFamily="34" charset="0"/>
-              </a:defRPr>
-            </a:lvl3pPr>
-            <a:lvl4pPr marL="1600200" indent="-228600">
-              <a:defRPr>
-                <a:solidFill>
-                  <a:schemeClr val="tx1"/>
-                </a:solidFill>
-                <a:latin typeface="Calibri" panose="020F0502020204030204" pitchFamily="34" charset="0"/>
-              </a:defRPr>
-            </a:lvl4pPr>
-            <a:lvl5pPr marL="2057400" indent="-228600">
-              <a:defRPr>
-                <a:solidFill>
-                  <a:schemeClr val="tx1"/>
-                </a:solidFill>
-                <a:latin typeface="Calibri" panose="020F0502020204030204" pitchFamily="34" charset="0"/>
-              </a:defRPr>
-            </a:lvl5pPr>
-            <a:lvl6pPr marL="2514600" indent="-228600" eaLnBrk="0" fontAlgn="base" hangingPunct="0">
-              <a:spcBef>
-                <a:spcPct val="0"/>
-              </a:spcBef>
-              <a:spcAft>
-                <a:spcPct val="0"/>
-              </a:spcAft>
-              <a:defRPr>
-                <a:solidFill>
-                  <a:schemeClr val="tx1"/>
-                </a:solidFill>
-                <a:latin typeface="Calibri" panose="020F0502020204030204" pitchFamily="34" charset="0"/>
-              </a:defRPr>
-            </a:lvl6pPr>
-            <a:lvl7pPr marL="2971800" indent="-228600" eaLnBrk="0" fontAlgn="base" hangingPunct="0">
-              <a:spcBef>
-                <a:spcPct val="0"/>
-              </a:spcBef>
-              <a:spcAft>
-                <a:spcPct val="0"/>
-              </a:spcAft>
-              <a:defRPr>
-                <a:solidFill>
-                  <a:schemeClr val="tx1"/>
-                </a:solidFill>
-                <a:latin typeface="Calibri" panose="020F0502020204030204" pitchFamily="34" charset="0"/>
-              </a:defRPr>
-            </a:lvl7pPr>
-            <a:lvl8pPr marL="3429000" indent="-228600" eaLnBrk="0" fontAlgn="base" hangingPunct="0">
-              <a:spcBef>
-                <a:spcPct val="0"/>
-              </a:spcBef>
-              <a:spcAft>
-                <a:spcPct val="0"/>
-              </a:spcAft>
-              <a:defRPr>
-                <a:solidFill>
-                  <a:schemeClr val="tx1"/>
-                </a:solidFill>
-                <a:latin typeface="Calibri" panose="020F0502020204030204" pitchFamily="34" charset="0"/>
-              </a:defRPr>
-            </a:lvl8pPr>
-            <a:lvl9pPr marL="3886200" indent="-228600" eaLnBrk="0" fontAlgn="base" hangingPunct="0">
-              <a:spcBef>
-                <a:spcPct val="0"/>
-              </a:spcBef>
-              <a:spcAft>
-                <a:spcPct val="0"/>
-              </a:spcAft>
-              <a:defRPr>
-                <a:solidFill>
-                  <a:schemeClr val="tx1"/>
-                </a:solidFill>
-                <a:latin typeface="Calibri" panose="020F0502020204030204" pitchFamily="34" charset="0"/>
-              </a:defRPr>
-            </a:lvl9pPr>
-          </a:lstStyle>
-          <a:p>
-            <a:pPr algn="ctr" eaLnBrk="1" hangingPunct="1"/>
-            <a:r>
-              <a:rPr lang="en-US" altLang="en-US" sz="1200" dirty="0" smtClean="0">
-                <a:latin typeface="Arial" panose="020B0604020202020204" pitchFamily="34" charset="0"/>
-                <a:ea typeface="Amazon Ember" panose="020B0603020204020204" pitchFamily="34" charset="0"/>
-                <a:cs typeface="Arial" panose="020B0604020202020204" pitchFamily="34" charset="0"/>
-              </a:rPr>
-              <a:t>Amazon EBS</a:t>
-            </a:r>
-            <a:endParaRPr lang="en-US" altLang="en-US" sz="1200" dirty="0">
-              <a:latin typeface="Arial" panose="020B0604020202020204" pitchFamily="34" charset="0"/>
-              <a:ea typeface="Amazon Ember" panose="020B0603020204020204" pitchFamily="34" charset="0"/>
-              <a:cs typeface="Arial" panose="020B0604020202020204" pitchFamily="34" charset="0"/>
-            </a:endParaRPr>
           </a:p>
         </p:txBody>
       </p:sp>
@@ -8978,7 +8752,7 @@
           <p:nvPr/>
         </p:nvPicPr>
         <p:blipFill>
-          <a:blip r:embed="rId38" cstate="print">
+          <a:blip r:embed="rId37" cstate="print">
             <a:extLst>
               <a:ext uri="{28A0092B-C50C-407E-A947-70E740481C1C}">
                 <a14:useLocalDpi xmlns:a14="http://schemas.microsoft.com/office/drawing/2010/main" val="0"/>
@@ -8992,7 +8766,7 @@
         </p:blipFill>
         <p:spPr bwMode="auto">
           <a:xfrm>
-            <a:off x="5733943" y="1407539"/>
+            <a:off x="5757004" y="1417418"/>
             <a:ext cx="274637" cy="274638"/>
           </a:xfrm>
           <a:prstGeom prst="rect">
@@ -9104,7 +8878,7 @@
           <p:nvPr/>
         </p:nvPicPr>
         <p:blipFill>
-          <a:blip r:embed="rId39" cstate="print">
+          <a:blip r:embed="rId38" cstate="print">
             <a:extLst>
               <a:ext uri="{28A0092B-C50C-407E-A947-70E740481C1C}">
                 <a14:useLocalDpi xmlns:a14="http://schemas.microsoft.com/office/drawing/2010/main" val="0"/>
@@ -9547,7 +9321,7 @@
           <p:nvPr/>
         </p:nvPicPr>
         <p:blipFill>
-          <a:blip r:embed="rId39" cstate="print">
+          <a:blip r:embed="rId38" cstate="print">
             <a:extLst>
               <a:ext uri="{28A0092B-C50C-407E-A947-70E740481C1C}">
                 <a14:useLocalDpi xmlns:a14="http://schemas.microsoft.com/office/drawing/2010/main" val="0"/>
@@ -9608,8 +9382,8 @@
         </p:nvSpPr>
         <p:spPr bwMode="auto">
           <a:xfrm>
-            <a:off x="2717620" y="6606405"/>
-            <a:ext cx="1362074" cy="276999"/>
+            <a:off x="3066694" y="6606405"/>
+            <a:ext cx="1429105" cy="276999"/>
           </a:xfrm>
           <a:prstGeom prst="rect">
             <a:avLst/>
@@ -9748,8 +9522,21 @@
                 <a:ea typeface="Amazon Ember" panose="020B0603020204020204" pitchFamily="34" charset="0"/>
                 <a:cs typeface="Arial" panose="020B0604020202020204" pitchFamily="34" charset="0"/>
               </a:rPr>
-              <a:t>Lambda function</a:t>
-            </a:r>
+              <a:t>Lambda </a:t>
+            </a:r>
+            <a:r>
+              <a:rPr lang="en-US" altLang="en-US" sz="1200" dirty="0" smtClean="0">
+                <a:latin typeface="Arial" panose="020B0604020202020204" pitchFamily="34" charset="0"/>
+                <a:ea typeface="Amazon Ember" panose="020B0603020204020204" pitchFamily="34" charset="0"/>
+                <a:cs typeface="Arial" panose="020B0604020202020204" pitchFamily="34" charset="0"/>
+              </a:rPr>
+              <a:t>functions</a:t>
+            </a:r>
+            <a:endParaRPr lang="en-US" altLang="en-US" sz="1200" dirty="0">
+              <a:latin typeface="Arial" panose="020B0604020202020204" pitchFamily="34" charset="0"/>
+              <a:ea typeface="Amazon Ember" panose="020B0603020204020204" pitchFamily="34" charset="0"/>
+              <a:cs typeface="Arial" panose="020B0604020202020204" pitchFamily="34" charset="0"/>
+            </a:endParaRPr>
           </a:p>
         </p:txBody>
       </p:sp>
@@ -9768,7 +9555,7 @@
           <p:nvPr/>
         </p:nvPicPr>
         <p:blipFill>
-          <a:blip r:embed="rId40" cstate="print">
+          <a:blip r:embed="rId39" cstate="print">
             <a:extLst>
               <a:ext uri="{28A0092B-C50C-407E-A947-70E740481C1C}">
                 <a14:useLocalDpi xmlns:a14="http://schemas.microsoft.com/office/drawing/2010/main" val="0"/>
@@ -9782,7 +9569,7 @@
         </p:blipFill>
         <p:spPr bwMode="auto">
           <a:xfrm>
-            <a:off x="3203893" y="6033457"/>
+            <a:off x="3622494" y="6033457"/>
             <a:ext cx="457200" cy="457200"/>
           </a:xfrm>
           <a:prstGeom prst="rect">
@@ -9828,7 +9615,7 @@
           <p:nvPr/>
         </p:nvPicPr>
         <p:blipFill>
-          <a:blip r:embed="rId41" cstate="print">
+          <a:blip r:embed="rId40" cstate="print">
             <a:extLst>
               <a:ext uri="{28A0092B-C50C-407E-A947-70E740481C1C}">
                 <a14:useLocalDpi xmlns:a14="http://schemas.microsoft.com/office/drawing/2010/main" val="0"/>
@@ -9889,8 +9676,8 @@
         </p:nvSpPr>
         <p:spPr bwMode="auto">
           <a:xfrm>
-            <a:off x="986535" y="6606405"/>
-            <a:ext cx="1362074" cy="276999"/>
+            <a:off x="1066736" y="6599467"/>
+            <a:ext cx="1561461" cy="276999"/>
           </a:xfrm>
           <a:prstGeom prst="rect">
             <a:avLst/>
@@ -10029,7 +9816,7 @@
                 <a:ea typeface="Amazon Ember" panose="020B0603020204020204" pitchFamily="34" charset="0"/>
                 <a:cs typeface="Arial" panose="020B0604020202020204" pitchFamily="34" charset="0"/>
               </a:rPr>
-              <a:t>FIPS endpoints</a:t>
+              <a:t>S3 FIPS endpoints</a:t>
             </a:r>
             <a:endParaRPr lang="en-US" altLang="en-US" sz="1200" dirty="0">
               <a:latin typeface="Arial" panose="020B0604020202020204" pitchFamily="34" charset="0"/>
@@ -10045,6 +9832,227 @@
             <a:extLst>
               <a:ext uri="{FF2B5EF4-FFF2-40B4-BE49-F238E27FC236}">
                 <a16:creationId xmlns:a16="http://schemas.microsoft.com/office/drawing/2014/main" id="{8219DCE8-247C-1049-BE53-921770E89315}"/>
+              </a:ext>
+            </a:extLst>
+          </p:cNvPr>
+          <p:cNvPicPr>
+            <a:picLocks noChangeAspect="1" noChangeArrowheads="1"/>
+          </p:cNvPicPr>
+          <p:nvPr/>
+        </p:nvPicPr>
+        <p:blipFill>
+          <a:blip r:embed="rId41" cstate="print">
+            <a:extLst>
+              <a:ext uri="{28A0092B-C50C-407E-A947-70E740481C1C}">
+                <a14:useLocalDpi xmlns:a14="http://schemas.microsoft.com/office/drawing/2010/main" val="0"/>
+              </a:ext>
+            </a:extLst>
+          </a:blip>
+          <a:srcRect/>
+          <a:stretch>
+            <a:fillRect/>
+          </a:stretch>
+        </p:blipFill>
+        <p:spPr bwMode="auto">
+          <a:xfrm>
+            <a:off x="951662" y="1083905"/>
+            <a:ext cx="330200" cy="330200"/>
+          </a:xfrm>
+          <a:prstGeom prst="rect">
+            <a:avLst/>
+          </a:prstGeom>
+          <a:noFill/>
+          <a:ln>
+            <a:noFill/>
+          </a:ln>
+          <a:extLst>
+            <a:ext uri="{909E8E84-426E-40DD-AFC4-6F175D3DCCD1}">
+              <a14:hiddenFill xmlns:a14="http://schemas.microsoft.com/office/drawing/2010/main">
+                <a:solidFill>
+                  <a:srgbClr val="FFFFFF"/>
+                </a:solidFill>
+              </a14:hiddenFill>
+            </a:ext>
+            <a:ext uri="{91240B29-F687-4F45-9708-019B960494DF}">
+              <a14:hiddenLine xmlns:a14="http://schemas.microsoft.com/office/drawing/2010/main" w="9525">
+                <a:solidFill>
+                  <a:srgbClr val="000000"/>
+                </a:solidFill>
+                <a:miter lim="800000"/>
+                <a:headEnd/>
+                <a:tailEnd/>
+              </a14:hiddenLine>
+            </a:ext>
+          </a:extLst>
+        </p:spPr>
+      </p:pic>
+      <p:sp>
+        <p:nvSpPr>
+          <p:cNvPr id="82" name="TextBox 21">
+            <a:extLst>
+              <a:ext uri="{FF2B5EF4-FFF2-40B4-BE49-F238E27FC236}">
+                <a16:creationId xmlns:a16="http://schemas.microsoft.com/office/drawing/2014/main" id="{6234A410-5964-0B4E-BBB1-60BFEACBF28D}"/>
+              </a:ext>
+            </a:extLst>
+          </p:cNvPr>
+          <p:cNvSpPr txBox="1">
+            <a:spLocks noChangeArrowheads="1"/>
+          </p:cNvSpPr>
+          <p:nvPr/>
+        </p:nvSpPr>
+        <p:spPr bwMode="auto">
+          <a:xfrm>
+            <a:off x="8649552" y="4075269"/>
+            <a:ext cx="1141411" cy="461665"/>
+          </a:xfrm>
+          <a:prstGeom prst="rect">
+            <a:avLst/>
+          </a:prstGeom>
+          <a:noFill/>
+          <a:ln>
+            <a:noFill/>
+          </a:ln>
+          <a:extLst>
+            <a:ext uri="{909E8E84-426E-40DD-AFC4-6F175D3DCCD1}">
+              <a14:hiddenFill xmlns:a14="http://schemas.microsoft.com/office/drawing/2010/main">
+                <a:solidFill>
+                  <a:srgbClr val="FFFFFF"/>
+                </a:solidFill>
+              </a14:hiddenFill>
+            </a:ext>
+            <a:ext uri="{91240B29-F687-4F45-9708-019B960494DF}">
+              <a14:hiddenLine xmlns:a14="http://schemas.microsoft.com/office/drawing/2010/main" w="9525">
+                <a:solidFill>
+                  <a:srgbClr val="000000"/>
+                </a:solidFill>
+                <a:miter lim="800000"/>
+                <a:headEnd/>
+                <a:tailEnd/>
+              </a14:hiddenLine>
+            </a:ext>
+          </a:extLst>
+        </p:spPr>
+        <p:txBody>
+          <a:bodyPr wrap="square">
+            <a:spAutoFit/>
+          </a:bodyPr>
+          <a:lstStyle>
+            <a:lvl1pPr>
+              <a:defRPr>
+                <a:solidFill>
+                  <a:schemeClr val="tx1"/>
+                </a:solidFill>
+                <a:latin typeface="Calibri" panose="020F0502020204030204" pitchFamily="34" charset="0"/>
+              </a:defRPr>
+            </a:lvl1pPr>
+            <a:lvl2pPr marL="742950" indent="-285750">
+              <a:defRPr>
+                <a:solidFill>
+                  <a:schemeClr val="tx1"/>
+                </a:solidFill>
+                <a:latin typeface="Calibri" panose="020F0502020204030204" pitchFamily="34" charset="0"/>
+              </a:defRPr>
+            </a:lvl2pPr>
+            <a:lvl3pPr marL="1143000" indent="-228600">
+              <a:defRPr>
+                <a:solidFill>
+                  <a:schemeClr val="tx1"/>
+                </a:solidFill>
+                <a:latin typeface="Calibri" panose="020F0502020204030204" pitchFamily="34" charset="0"/>
+              </a:defRPr>
+            </a:lvl3pPr>
+            <a:lvl4pPr marL="1600200" indent="-228600">
+              <a:defRPr>
+                <a:solidFill>
+                  <a:schemeClr val="tx1"/>
+                </a:solidFill>
+                <a:latin typeface="Calibri" panose="020F0502020204030204" pitchFamily="34" charset="0"/>
+              </a:defRPr>
+            </a:lvl4pPr>
+            <a:lvl5pPr marL="2057400" indent="-228600">
+              <a:defRPr>
+                <a:solidFill>
+                  <a:schemeClr val="tx1"/>
+                </a:solidFill>
+                <a:latin typeface="Calibri" panose="020F0502020204030204" pitchFamily="34" charset="0"/>
+              </a:defRPr>
+            </a:lvl5pPr>
+            <a:lvl6pPr marL="2514600" indent="-228600" eaLnBrk="0" fontAlgn="base" hangingPunct="0">
+              <a:spcBef>
+                <a:spcPct val="0"/>
+              </a:spcBef>
+              <a:spcAft>
+                <a:spcPct val="0"/>
+              </a:spcAft>
+              <a:defRPr>
+                <a:solidFill>
+                  <a:schemeClr val="tx1"/>
+                </a:solidFill>
+                <a:latin typeface="Calibri" panose="020F0502020204030204" pitchFamily="34" charset="0"/>
+              </a:defRPr>
+            </a:lvl6pPr>
+            <a:lvl7pPr marL="2971800" indent="-228600" eaLnBrk="0" fontAlgn="base" hangingPunct="0">
+              <a:spcBef>
+                <a:spcPct val="0"/>
+              </a:spcBef>
+              <a:spcAft>
+                <a:spcPct val="0"/>
+              </a:spcAft>
+              <a:defRPr>
+                <a:solidFill>
+                  <a:schemeClr val="tx1"/>
+                </a:solidFill>
+                <a:latin typeface="Calibri" panose="020F0502020204030204" pitchFamily="34" charset="0"/>
+              </a:defRPr>
+            </a:lvl7pPr>
+            <a:lvl8pPr marL="3429000" indent="-228600" eaLnBrk="0" fontAlgn="base" hangingPunct="0">
+              <a:spcBef>
+                <a:spcPct val="0"/>
+              </a:spcBef>
+              <a:spcAft>
+                <a:spcPct val="0"/>
+              </a:spcAft>
+              <a:defRPr>
+                <a:solidFill>
+                  <a:schemeClr val="tx1"/>
+                </a:solidFill>
+                <a:latin typeface="Calibri" panose="020F0502020204030204" pitchFamily="34" charset="0"/>
+              </a:defRPr>
+            </a:lvl8pPr>
+            <a:lvl9pPr marL="3886200" indent="-228600" eaLnBrk="0" fontAlgn="base" hangingPunct="0">
+              <a:spcBef>
+                <a:spcPct val="0"/>
+              </a:spcBef>
+              <a:spcAft>
+                <a:spcPct val="0"/>
+              </a:spcAft>
+              <a:defRPr>
+                <a:solidFill>
+                  <a:schemeClr val="tx1"/>
+                </a:solidFill>
+                <a:latin typeface="Calibri" panose="020F0502020204030204" pitchFamily="34" charset="0"/>
+              </a:defRPr>
+            </a:lvl9pPr>
+          </a:lstStyle>
+          <a:p>
+            <a:pPr algn="ctr" eaLnBrk="1" hangingPunct="1"/>
+            <a:r>
+              <a:rPr lang="en-US" altLang="en-US" sz="1200" dirty="0">
+                <a:latin typeface="Arial" panose="020B0604020202020204" pitchFamily="34" charset="0"/>
+                <a:ea typeface="Amazon Ember" panose="020B0603020204020204" pitchFamily="34" charset="0"/>
+                <a:cs typeface="Arial" panose="020B0604020202020204" pitchFamily="34" charset="0"/>
+              </a:rPr>
+              <a:t>Multiple volumes</a:t>
+            </a:r>
+          </a:p>
+        </p:txBody>
+      </p:sp>
+      <p:pic>
+        <p:nvPicPr>
+          <p:cNvPr id="83" name="Graphic 24">
+            <a:extLst>
+              <a:ext uri="{FF2B5EF4-FFF2-40B4-BE49-F238E27FC236}">
+                <a16:creationId xmlns:a16="http://schemas.microsoft.com/office/drawing/2014/main" id="{8D90DE78-6CEC-FD4A-BF1C-07563DE03BC7}"/>
               </a:ext>
             </a:extLst>
           </p:cNvPr>
@@ -10068,8 +10076,8 @@
         </p:blipFill>
         <p:spPr bwMode="auto">
           <a:xfrm>
-            <a:off x="951662" y="1083905"/>
-            <a:ext cx="330200" cy="330200"/>
+            <a:off x="8991658" y="3671040"/>
+            <a:ext cx="457200" cy="457200"/>
           </a:xfrm>
           <a:prstGeom prst="rect">
             <a:avLst/>

--- a/docs/images/cmmc-active-directory-architecture-diagram.pptx
+++ b/docs/images/cmmc-active-directory-architecture-diagram.pptx
@@ -9050,7 +9050,7 @@
         <p:spPr>
           <a:xfrm>
             <a:off x="2731335" y="4133846"/>
-            <a:ext cx="1513305" cy="276999"/>
+            <a:ext cx="1513305" cy="461665"/>
           </a:xfrm>
           <a:prstGeom prst="rect">
             <a:avLst/>
@@ -9064,13 +9064,21 @@
           <a:lstStyle/>
           <a:p>
             <a:pPr algn="ctr"/>
+            <a:r>
+              <a:rPr lang="en-US" sz="1200" dirty="0" smtClean="0">
+                <a:latin typeface="Arial" panose="020B0604020202020204" pitchFamily="34" charset="0"/>
+                <a:ea typeface="Amazon Ember" panose="020B0603020204020204" pitchFamily="34" charset="0"/>
+                <a:cs typeface="Arial" panose="020B0604020202020204" pitchFamily="34" charset="0"/>
+              </a:rPr>
+              <a:t>AD domain </a:t>
+            </a:r>
             <a:r>
               <a:rPr lang="en-US" sz="1200" dirty="0">
                 <a:latin typeface="Arial" panose="020B0604020202020204" pitchFamily="34" charset="0"/>
                 <a:ea typeface="Amazon Ember" panose="020B0603020204020204" pitchFamily="34" charset="0"/>
                 <a:cs typeface="Arial" panose="020B0604020202020204" pitchFamily="34" charset="0"/>
               </a:rPr>
-              <a:t>Domain controller </a:t>
+              <a:t>controller </a:t>
             </a:r>
             <a:endParaRPr lang="en-US" sz="1200" dirty="0">
               <a:latin typeface="Arial" panose="020B0604020202020204" pitchFamily="34" charset="0"/>
@@ -9130,8 +9138,8 @@
         </p:nvSpPr>
         <p:spPr>
           <a:xfrm>
-            <a:off x="6283911" y="4139194"/>
-            <a:ext cx="1513305" cy="276999"/>
+            <a:off x="6198901" y="4139194"/>
+            <a:ext cx="1698995" cy="461665"/>
           </a:xfrm>
           <a:prstGeom prst="rect">
             <a:avLst/>
@@ -9146,12 +9154,23 @@
           <a:p>
             <a:pPr algn="ctr"/>
             <a:r>
-              <a:rPr lang="en-US" sz="1200" dirty="0">
+              <a:rPr lang="en-US" sz="1200" dirty="0" smtClean="0">
                 <a:latin typeface="Arial" panose="020B0604020202020204" pitchFamily="34" charset="0"/>
                 <a:ea typeface="Amazon Ember" panose="020B0603020204020204" pitchFamily="34" charset="0"/>
                 <a:cs typeface="Arial" panose="020B0604020202020204" pitchFamily="34" charset="0"/>
               </a:rPr>
-              <a:t>Domain controller </a:t>
+              <a:t>AD domain </a:t>
+            </a:r>
+          </a:p>
+          <a:p>
+            <a:pPr algn="ctr"/>
+            <a:r>
+              <a:rPr lang="en-US" sz="1200" dirty="0" smtClean="0">
+                <a:latin typeface="Arial" panose="020B0604020202020204" pitchFamily="34" charset="0"/>
+                <a:ea typeface="Amazon Ember" panose="020B0603020204020204" pitchFamily="34" charset="0"/>
+                <a:cs typeface="Arial" panose="020B0604020202020204" pitchFamily="34" charset="0"/>
+              </a:rPr>
+              <a:t>controller </a:t>
             </a:r>
             <a:endParaRPr lang="en-US" sz="1200" dirty="0">
               <a:latin typeface="Arial" panose="020B0604020202020204" pitchFamily="34" charset="0"/>
